--- a/spring - 학습자료/PART5.pptx
+++ b/spring - 학습자료/PART5.pptx
@@ -1660,7 +1660,7 @@
           <a:p>
             <a:fld id="{48A87A34-81AB-432B-8DAE-1953F412C126}" type="datetimeFigureOut">
               <a:rPr lang="en-US" smtClean="0"/>
-              <a:t>4/6/2023</a:t>
+              <a:t>5/8/2023</a:t>
             </a:fld>
             <a:endParaRPr lang="en-US"/>
           </a:p>
@@ -1858,7 +1858,7 @@
           <a:p>
             <a:fld id="{48A87A34-81AB-432B-8DAE-1953F412C126}" type="datetimeFigureOut">
               <a:rPr lang="en-US" smtClean="0"/>
-              <a:t>4/6/2023</a:t>
+              <a:t>5/8/2023</a:t>
             </a:fld>
             <a:endParaRPr lang="en-US"/>
           </a:p>
@@ -2066,7 +2066,7 @@
           <a:p>
             <a:fld id="{48A87A34-81AB-432B-8DAE-1953F412C126}" type="datetimeFigureOut">
               <a:rPr lang="en-US" smtClean="0"/>
-              <a:t>4/6/2023</a:t>
+              <a:t>5/8/2023</a:t>
             </a:fld>
             <a:endParaRPr lang="en-US"/>
           </a:p>
@@ -2274,7 +2274,7 @@
           <a:p>
             <a:fld id="{48A87A34-81AB-432B-8DAE-1953F412C126}" type="datetimeFigureOut">
               <a:rPr lang="en-US" smtClean="0"/>
-              <a:t>4/6/2023</a:t>
+              <a:t>5/8/2023</a:t>
             </a:fld>
             <a:endParaRPr lang="en-US"/>
           </a:p>
@@ -2549,7 +2549,7 @@
           <a:p>
             <a:fld id="{48A87A34-81AB-432B-8DAE-1953F412C126}" type="datetimeFigureOut">
               <a:rPr lang="en-US" smtClean="0"/>
-              <a:t>4/6/2023</a:t>
+              <a:t>5/8/2023</a:t>
             </a:fld>
             <a:endParaRPr lang="en-US"/>
           </a:p>
@@ -2815,7 +2815,7 @@
             <a:fld id="{48A87A34-81AB-432B-8DAE-1953F412C126}" type="datetimeFigureOut">
               <a:rPr lang="en-US" smtClean="0"/>
               <a:pPr/>
-              <a:t>4/6/2023</a:t>
+              <a:t>5/8/2023</a:t>
             </a:fld>
             <a:endParaRPr lang="en-US"/>
           </a:p>
@@ -3228,7 +3228,7 @@
           <a:p>
             <a:fld id="{48A87A34-81AB-432B-8DAE-1953F412C126}" type="datetimeFigureOut">
               <a:rPr lang="en-US" smtClean="0"/>
-              <a:t>4/6/2023</a:t>
+              <a:t>5/8/2023</a:t>
             </a:fld>
             <a:endParaRPr lang="en-US"/>
           </a:p>
@@ -3369,7 +3369,7 @@
           <a:p>
             <a:fld id="{48A87A34-81AB-432B-8DAE-1953F412C126}" type="datetimeFigureOut">
               <a:rPr lang="en-US" smtClean="0"/>
-              <a:t>4/6/2023</a:t>
+              <a:t>5/8/2023</a:t>
             </a:fld>
             <a:endParaRPr lang="en-US"/>
           </a:p>
@@ -3482,7 +3482,7 @@
           <a:p>
             <a:fld id="{48A87A34-81AB-432B-8DAE-1953F412C126}" type="datetimeFigureOut">
               <a:rPr lang="en-US" smtClean="0"/>
-              <a:t>4/6/2023</a:t>
+              <a:t>5/8/2023</a:t>
             </a:fld>
             <a:endParaRPr lang="en-US"/>
           </a:p>
@@ -3793,7 +3793,7 @@
           <a:p>
             <a:fld id="{48A87A34-81AB-432B-8DAE-1953F412C126}" type="datetimeFigureOut">
               <a:rPr lang="en-US" smtClean="0"/>
-              <a:t>4/6/2023</a:t>
+              <a:t>5/8/2023</a:t>
             </a:fld>
             <a:endParaRPr lang="en-US"/>
           </a:p>
@@ -4082,7 +4082,7 @@
             <a:fld id="{48A87A34-81AB-432B-8DAE-1953F412C126}" type="datetimeFigureOut">
               <a:rPr lang="en-US" smtClean="0"/>
               <a:pPr/>
-              <a:t>4/6/2023</a:t>
+              <a:t>5/8/2023</a:t>
             </a:fld>
             <a:endParaRPr lang="en-US"/>
           </a:p>
@@ -4325,7 +4325,7 @@
             <a:fld id="{48A87A34-81AB-432B-8DAE-1953F412C126}" type="datetimeFigureOut">
               <a:rPr lang="en-US" smtClean="0"/>
               <a:pPr/>
-              <a:t>4/6/2023</a:t>
+              <a:t>5/8/2023</a:t>
             </a:fld>
             <a:endParaRPr lang="en-US"/>
           </a:p>
@@ -5599,17 +5599,7 @@
                 <a:latin typeface="Consolas" panose="020B0609020204030204" pitchFamily="49" charset="0"/>
                 <a:cs typeface="Consolas" panose="020B0609020204030204" pitchFamily="49" charset="0"/>
               </a:rPr>
-              <a:t>) //</a:t>
-            </a:r>
-            <a:r>
-              <a:rPr lang="en-US" altLang="ko-KR" sz="1100" dirty="0" smtClean="0">
-                <a:solidFill>
-                  <a:srgbClr val="000000"/>
-                </a:solidFill>
-                <a:latin typeface="Consolas" panose="020B0609020204030204" pitchFamily="49" charset="0"/>
-                <a:cs typeface="Consolas" panose="020B0609020204030204" pitchFamily="49" charset="0"/>
-              </a:rPr>
-              <a:t>advice(</a:t>
+              <a:t>) //advice(</a:t>
             </a:r>
             <a:r>
               <a:rPr lang="ko-KR" altLang="en-US" sz="1100" dirty="0" err="1" smtClean="0">
@@ -6041,11 +6031,7 @@
             </a:r>
             <a:r>
               <a:rPr lang="en-US" altLang="ko-KR" dirty="0" smtClean="0"/>
-              <a:t>(</a:t>
-            </a:r>
-            <a:r>
-              <a:rPr lang="en-US" altLang="ko-KR" dirty="0" smtClean="0"/>
-              <a:t>p455)</a:t>
+              <a:t>(p455)</a:t>
             </a:r>
             <a:r>
               <a:rPr lang="ko-KR" altLang="en-US" dirty="0" smtClean="0"/>
@@ -15221,12 +15207,20 @@
               <a:t> </a:t>
             </a:r>
             <a:r>
-              <a:rPr lang="ko-KR" altLang="en-US" dirty="0" err="1"/>
-              <a:t>핵심로직을</a:t>
+              <a:rPr lang="ko-KR" altLang="en-US" dirty="0" smtClean="0"/>
+              <a:t>핵심 </a:t>
+            </a:r>
+            <a:r>
+              <a:rPr lang="ko-KR" altLang="en-US" dirty="0" err="1" smtClean="0"/>
+              <a:t>로직을</a:t>
+            </a:r>
+            <a:r>
+              <a:rPr lang="ko-KR" altLang="en-US" dirty="0" smtClean="0"/>
+              <a:t> </a:t>
             </a:r>
             <a:r>
               <a:rPr lang="ko-KR" altLang="en-US" dirty="0"/>
-              <a:t> 가지고 있는 </a:t>
+              <a:t>가지고 있는 </a:t>
             </a:r>
             <a:r>
               <a:rPr lang="ko-KR" altLang="en-US" dirty="0" smtClean="0"/>
@@ -16272,7 +16266,7 @@
           <p:nvPr>
             <p:extLst>
               <p:ext uri="{D42A27DB-BD31-4B8C-83A1-F6EECF244321}">
-                <p14:modId xmlns:p14="http://schemas.microsoft.com/office/powerpoint/2010/main" val="176822512"/>
+                <p14:modId xmlns:p14="http://schemas.microsoft.com/office/powerpoint/2010/main" val="2728195980"/>
               </p:ext>
             </p:extLst>
           </p:nvPr>
@@ -16288,14 +16282,14 @@
                 <a:tableStyleId>{5C22544A-7EE6-4342-B048-85BDC9FD1C3A}</a:tableStyleId>
               </a:tblPr>
               <a:tblGrid>
-                <a:gridCol w="2065440">
+                <a:gridCol w="2126273">
                   <a:extLst>
                     <a:ext uri="{9D8B030D-6E8A-4147-A177-3AD203B41FA5}">
                       <a16:colId xmlns:a16="http://schemas.microsoft.com/office/drawing/2014/main" val="2288757321"/>
                     </a:ext>
                   </a:extLst>
                 </a:gridCol>
-                <a:gridCol w="5677599">
+                <a:gridCol w="5616766">
                   <a:extLst>
                     <a:ext uri="{9D8B030D-6E8A-4147-A177-3AD203B41FA5}">
                       <a16:colId xmlns:a16="http://schemas.microsoft.com/office/drawing/2014/main" val="1775197410"/>
@@ -16347,12 +16341,12 @@
                         </a:spcAft>
                       </a:pPr>
                       <a:r>
-                        <a:rPr lang="ko-KR" sz="1400">
+                        <a:rPr lang="ko-KR" sz="1400" dirty="0">
                           <a:effectLst/>
                         </a:rPr>
                         <a:t>설명</a:t>
                       </a:r>
-                      <a:endParaRPr lang="ko-KR" sz="1400">
+                      <a:endParaRPr lang="ko-KR" sz="1400" dirty="0">
                         <a:effectLst/>
                         <a:latin typeface="맑은 고딕" panose="020B0503020000020004" pitchFamily="50" charset="-127"/>
                         <a:ea typeface="맑은 고딕" panose="020B0503020000020004" pitchFamily="50" charset="-127"/>
@@ -16383,12 +16377,12 @@
                         </a:spcAft>
                       </a:pPr>
                       <a:r>
-                        <a:rPr lang="en-US" sz="1400">
+                        <a:rPr lang="en-US" sz="1400" dirty="0">
                           <a:effectLst/>
                         </a:rPr>
                         <a:t>Before Advice</a:t>
                       </a:r>
-                      <a:endParaRPr lang="ko-KR" sz="1400">
+                      <a:endParaRPr lang="ko-KR" sz="1400" dirty="0">
                         <a:effectLst/>
                         <a:latin typeface="맑은 고딕" panose="020B0503020000020004" pitchFamily="50" charset="-127"/>
                         <a:ea typeface="맑은 고딕" panose="020B0503020000020004" pitchFamily="50" charset="-127"/>
@@ -16412,48 +16406,48 @@
                         </a:spcAft>
                       </a:pPr>
                       <a:r>
-                        <a:rPr lang="en-US" sz="1400">
+                        <a:rPr lang="en-US" sz="1400" dirty="0">
                           <a:effectLst/>
                         </a:rPr>
                         <a:t>Target</a:t>
                       </a:r>
                       <a:r>
-                        <a:rPr lang="ko-KR" sz="1400">
+                        <a:rPr lang="ko-KR" sz="1400" dirty="0">
                           <a:effectLst/>
                         </a:rPr>
                         <a:t>의 </a:t>
                       </a:r>
                       <a:r>
-                        <a:rPr lang="en-US" sz="1400">
+                        <a:rPr lang="en-US" sz="1400" dirty="0" err="1">
                           <a:effectLst/>
                         </a:rPr>
                         <a:t>JoinPoint</a:t>
                       </a:r>
                       <a:r>
-                        <a:rPr lang="ko-KR" sz="1400">
+                        <a:rPr lang="ko-KR" sz="1400" dirty="0">
                           <a:effectLst/>
                         </a:rPr>
                         <a:t>를 호출하기 전에 실행되는 코드입니다</a:t>
                       </a:r>
                       <a:r>
-                        <a:rPr lang="en-US" sz="1400">
+                        <a:rPr lang="en-US" sz="1400" dirty="0">
                           <a:effectLst/>
                         </a:rPr>
                         <a:t>. </a:t>
                       </a:r>
                       <a:r>
-                        <a:rPr lang="ko-KR" sz="1400">
+                        <a:rPr lang="ko-KR" sz="1400" dirty="0">
                           <a:effectLst/>
                         </a:rPr>
                         <a:t>코드의 실행 자체에는 관여할 수 없습니다</a:t>
                       </a:r>
                       <a:r>
-                        <a:rPr lang="en-US" sz="1400">
+                        <a:rPr lang="en-US" sz="1400" dirty="0">
                           <a:effectLst/>
                         </a:rPr>
                         <a:t>.</a:t>
                       </a:r>
-                      <a:endParaRPr lang="ko-KR" sz="1400">
+                      <a:endParaRPr lang="ko-KR" sz="1400" dirty="0">
                         <a:effectLst/>
                         <a:latin typeface="맑은 고딕" panose="020B0503020000020004" pitchFamily="50" charset="-127"/>
                         <a:ea typeface="맑은 고딕" panose="020B0503020000020004" pitchFamily="50" charset="-127"/>
@@ -16484,12 +16478,12 @@
                         </a:spcAft>
                       </a:pPr>
                       <a:r>
-                        <a:rPr lang="en-US" sz="1400">
+                        <a:rPr lang="en-US" sz="1400" dirty="0">
                           <a:effectLst/>
                         </a:rPr>
                         <a:t>After Returning Advice</a:t>
                       </a:r>
-                      <a:endParaRPr lang="ko-KR" sz="1400">
+                      <a:endParaRPr lang="ko-KR" sz="1400" dirty="0">
                         <a:effectLst/>
                         <a:latin typeface="맑은 고딕" panose="020B0503020000020004" pitchFamily="50" charset="-127"/>
                         <a:ea typeface="맑은 고딕" panose="020B0503020000020004" pitchFamily="50" charset="-127"/>
@@ -16513,18 +16507,18 @@
                         </a:spcAft>
                       </a:pPr>
                       <a:r>
-                        <a:rPr lang="ko-KR" sz="1400">
+                        <a:rPr lang="ko-KR" sz="1400" dirty="0">
                           <a:effectLst/>
                         </a:rPr>
                         <a:t>모든 실행이 정상적으로 이루어진 후에 동작하는 코드입니다</a:t>
                       </a:r>
                       <a:r>
-                        <a:rPr lang="en-US" sz="1400">
+                        <a:rPr lang="en-US" sz="1400" dirty="0">
                           <a:effectLst/>
                         </a:rPr>
                         <a:t>. </a:t>
                       </a:r>
-                      <a:endParaRPr lang="ko-KR" sz="1400">
+                      <a:endParaRPr lang="ko-KR" sz="1400" dirty="0">
                         <a:effectLst/>
                         <a:latin typeface="맑은 고딕" panose="020B0503020000020004" pitchFamily="50" charset="-127"/>
                         <a:ea typeface="맑은 고딕" panose="020B0503020000020004" pitchFamily="50" charset="-127"/>
@@ -16555,12 +16549,12 @@
                         </a:spcAft>
                       </a:pPr>
                       <a:r>
-                        <a:rPr lang="en-US" sz="1400">
+                        <a:rPr lang="en-US" sz="1400" dirty="0">
                           <a:effectLst/>
                         </a:rPr>
                         <a:t>After Throwing Advice</a:t>
                       </a:r>
-                      <a:endParaRPr lang="ko-KR" sz="1400">
+                      <a:endParaRPr lang="ko-KR" sz="1400" dirty="0">
                         <a:effectLst/>
                         <a:latin typeface="맑은 고딕" panose="020B0503020000020004" pitchFamily="50" charset="-127"/>
                         <a:ea typeface="맑은 고딕" panose="020B0503020000020004" pitchFamily="50" charset="-127"/>
@@ -16584,18 +16578,18 @@
                         </a:spcAft>
                       </a:pPr>
                       <a:r>
-                        <a:rPr lang="ko-KR" sz="1400">
+                        <a:rPr lang="ko-KR" sz="1400" dirty="0">
                           <a:effectLst/>
                         </a:rPr>
                         <a:t>예외가 발생한 뒤에 동작하는 코드입니다</a:t>
                       </a:r>
                       <a:r>
-                        <a:rPr lang="en-US" sz="1400">
+                        <a:rPr lang="en-US" sz="1400" dirty="0">
                           <a:effectLst/>
                         </a:rPr>
                         <a:t>.</a:t>
                       </a:r>
-                      <a:endParaRPr lang="ko-KR" sz="1400">
+                      <a:endParaRPr lang="ko-KR" sz="1400" dirty="0">
                         <a:effectLst/>
                         <a:latin typeface="맑은 고딕" panose="020B0503020000020004" pitchFamily="50" charset="-127"/>
                         <a:ea typeface="맑은 고딕" panose="020B0503020000020004" pitchFamily="50" charset="-127"/>
@@ -16626,12 +16620,12 @@
                         </a:spcAft>
                       </a:pPr>
                       <a:r>
-                        <a:rPr lang="en-US" sz="1400">
+                        <a:rPr lang="en-US" sz="1400" dirty="0">
                           <a:effectLst/>
                         </a:rPr>
                         <a:t>After Advice</a:t>
                       </a:r>
-                      <a:endParaRPr lang="ko-KR" sz="1400">
+                      <a:endParaRPr lang="ko-KR" sz="1400" dirty="0">
                         <a:effectLst/>
                         <a:latin typeface="맑은 고딕" panose="020B0503020000020004" pitchFamily="50" charset="-127"/>
                         <a:ea typeface="맑은 고딕" panose="020B0503020000020004" pitchFamily="50" charset="-127"/>
@@ -16655,18 +16649,18 @@
                         </a:spcAft>
                       </a:pPr>
                       <a:r>
-                        <a:rPr lang="ko-KR" sz="1400">
+                        <a:rPr lang="ko-KR" sz="1400" dirty="0">
                           <a:effectLst/>
                         </a:rPr>
                         <a:t>정상적으로 실행되거나 예외가 발생했을 때 구분 없이 실행되는 코드입니다</a:t>
                       </a:r>
                       <a:r>
-                        <a:rPr lang="en-US" sz="1400">
+                        <a:rPr lang="en-US" sz="1400" dirty="0">
                           <a:effectLst/>
                         </a:rPr>
                         <a:t>.</a:t>
                       </a:r>
-                      <a:endParaRPr lang="ko-KR" sz="1400">
+                      <a:endParaRPr lang="ko-KR" sz="1400" dirty="0">
                         <a:effectLst/>
                         <a:latin typeface="맑은 고딕" panose="020B0503020000020004" pitchFamily="50" charset="-127"/>
                         <a:ea typeface="맑은 고딕" panose="020B0503020000020004" pitchFamily="50" charset="-127"/>
@@ -16697,12 +16691,12 @@
                         </a:spcAft>
                       </a:pPr>
                       <a:r>
-                        <a:rPr lang="en-US" sz="1400">
+                        <a:rPr lang="en-US" sz="1400" dirty="0">
                           <a:effectLst/>
                         </a:rPr>
                         <a:t>Around Advice</a:t>
                       </a:r>
-                      <a:endParaRPr lang="ko-KR" sz="1400">
+                      <a:endParaRPr lang="ko-KR" sz="1400" dirty="0">
                         <a:effectLst/>
                         <a:latin typeface="맑은 고딕" panose="020B0503020000020004" pitchFamily="50" charset="-127"/>
                         <a:ea typeface="맑은 고딕" panose="020B0503020000020004" pitchFamily="50" charset="-127"/>
@@ -16726,30 +16720,30 @@
                         </a:spcAft>
                       </a:pPr>
                       <a:r>
-                        <a:rPr lang="ko-KR" sz="1400">
+                        <a:rPr lang="ko-KR" sz="1400" dirty="0">
                           <a:effectLst/>
                         </a:rPr>
                         <a:t>메서드의 실행 자체를 제어할 수 있는 가장 강력한 코드입니다</a:t>
                       </a:r>
                       <a:r>
-                        <a:rPr lang="en-US" sz="1400">
+                        <a:rPr lang="en-US" sz="1400" dirty="0">
                           <a:effectLst/>
                         </a:rPr>
                         <a:t>. </a:t>
                       </a:r>
                       <a:r>
-                        <a:rPr lang="ko-KR" sz="1400">
+                        <a:rPr lang="ko-KR" sz="1400" dirty="0">
                           <a:effectLst/>
                         </a:rPr>
                         <a:t>직접 대상 메서드를 호출하고 결과나 예외를 처리할 수 있습니다</a:t>
                       </a:r>
                       <a:r>
-                        <a:rPr lang="en-US" sz="1400">
+                        <a:rPr lang="en-US" sz="1400" dirty="0">
                           <a:effectLst/>
                         </a:rPr>
                         <a:t>. </a:t>
                       </a:r>
-                      <a:endParaRPr lang="ko-KR" sz="1400">
+                      <a:endParaRPr lang="ko-KR" sz="1400" dirty="0">
                         <a:effectLst/>
                         <a:latin typeface="맑은 고딕" panose="020B0503020000020004" pitchFamily="50" charset="-127"/>
                         <a:ea typeface="맑은 고딕" panose="020B0503020000020004" pitchFamily="50" charset="-127"/>
@@ -17511,11 +17505,7 @@
             </a:r>
             <a:r>
               <a:rPr lang="en-US" altLang="ko-KR" dirty="0" smtClean="0"/>
-              <a:t>(</a:t>
-            </a:r>
-            <a:r>
-              <a:rPr lang="en-US" altLang="ko-KR" dirty="0" smtClean="0"/>
-              <a:t>p450)</a:t>
+              <a:t>(p450)</a:t>
             </a:r>
             <a:r>
               <a:rPr lang="ko-KR" altLang="en-US" dirty="0" smtClean="0"/>
@@ -17556,11 +17546,7 @@
             </a:r>
             <a:r>
               <a:rPr lang="en-US" altLang="ko-KR" dirty="0" smtClean="0"/>
-              <a:t>(</a:t>
-            </a:r>
-            <a:r>
-              <a:rPr lang="en-US" altLang="ko-KR" dirty="0" smtClean="0"/>
-              <a:t>spring-</a:t>
+              <a:t>(spring-</a:t>
             </a:r>
             <a:r>
               <a:rPr lang="en-US" altLang="ko-KR" dirty="0" err="1" smtClean="0"/>
